--- a/GroupProject 1.pptx
+++ b/GroupProject 1.pptx
@@ -13,6 +13,8 @@
     <p:sldId id="258" r:id="rId7"/>
     <p:sldId id="262" r:id="rId8"/>
     <p:sldId id="263" r:id="rId9"/>
+    <p:sldId id="265" r:id="rId10"/>
+    <p:sldId id="264" r:id="rId11"/>
   </p:sldIdLst>
   <p:sldSz cx="12192000" cy="6858000"/>
   <p:notesSz cx="6858000" cy="9144000"/>
@@ -414,7 +416,7 @@
           <p:cNvPr id="2" name="Title 1">
             <a:extLst>
               <a:ext uri="{FF2B5EF4-FFF2-40B4-BE49-F238E27FC236}">
-                <a16:creationId xmlns:a16="http://schemas.microsoft.com/office/drawing/2014/main" xmlns="" id="{3BBE0081-1EA8-4A06-AB9A-9F268DD08A21}"/>
+                <a16:creationId xmlns:a16="http://schemas.microsoft.com/office/drawing/2014/main" id="{3BBE0081-1EA8-4A06-AB9A-9F268DD08A21}"/>
               </a:ext>
             </a:extLst>
           </p:cNvPr>
@@ -451,7 +453,7 @@
           <p:cNvPr id="3" name="Subtitle 2">
             <a:extLst>
               <a:ext uri="{FF2B5EF4-FFF2-40B4-BE49-F238E27FC236}">
-                <a16:creationId xmlns:a16="http://schemas.microsoft.com/office/drawing/2014/main" xmlns="" id="{627A2A54-3459-49C4-87C8-EE87B63D00D9}"/>
+                <a16:creationId xmlns:a16="http://schemas.microsoft.com/office/drawing/2014/main" id="{627A2A54-3459-49C4-87C8-EE87B63D00D9}"/>
               </a:ext>
             </a:extLst>
           </p:cNvPr>
@@ -521,7 +523,7 @@
           <p:cNvPr id="4" name="Date Placeholder 3">
             <a:extLst>
               <a:ext uri="{FF2B5EF4-FFF2-40B4-BE49-F238E27FC236}">
-                <a16:creationId xmlns:a16="http://schemas.microsoft.com/office/drawing/2014/main" xmlns="" id="{DC3A64D2-6F12-4C60-8F53-62F23B97A57E}"/>
+                <a16:creationId xmlns:a16="http://schemas.microsoft.com/office/drawing/2014/main" id="{DC3A64D2-6F12-4C60-8F53-62F23B97A57E}"/>
               </a:ext>
             </a:extLst>
           </p:cNvPr>
@@ -550,7 +552,7 @@
           <p:cNvPr id="5" name="Footer Placeholder 4">
             <a:extLst>
               <a:ext uri="{FF2B5EF4-FFF2-40B4-BE49-F238E27FC236}">
-                <a16:creationId xmlns:a16="http://schemas.microsoft.com/office/drawing/2014/main" xmlns="" id="{E0DF18EE-AE53-4F08-89E4-9F56D2331088}"/>
+                <a16:creationId xmlns:a16="http://schemas.microsoft.com/office/drawing/2014/main" id="{E0DF18EE-AE53-4F08-89E4-9F56D2331088}"/>
               </a:ext>
             </a:extLst>
           </p:cNvPr>
@@ -575,7 +577,7 @@
           <p:cNvPr id="6" name="Slide Number Placeholder 5">
             <a:extLst>
               <a:ext uri="{FF2B5EF4-FFF2-40B4-BE49-F238E27FC236}">
-                <a16:creationId xmlns:a16="http://schemas.microsoft.com/office/drawing/2014/main" xmlns="" id="{8D2A0C3A-1A98-46BF-B564-25BE208E9801}"/>
+                <a16:creationId xmlns:a16="http://schemas.microsoft.com/office/drawing/2014/main" id="{8D2A0C3A-1A98-46BF-B564-25BE208E9801}"/>
               </a:ext>
             </a:extLst>
           </p:cNvPr>
@@ -634,7 +636,7 @@
           <p:cNvPr id="2" name="Title 1">
             <a:extLst>
               <a:ext uri="{FF2B5EF4-FFF2-40B4-BE49-F238E27FC236}">
-                <a16:creationId xmlns:a16="http://schemas.microsoft.com/office/drawing/2014/main" xmlns="" id="{2557103C-01C5-4D08-B0F0-DFC877120B59}"/>
+                <a16:creationId xmlns:a16="http://schemas.microsoft.com/office/drawing/2014/main" id="{2557103C-01C5-4D08-B0F0-DFC877120B59}"/>
               </a:ext>
             </a:extLst>
           </p:cNvPr>
@@ -662,7 +664,7 @@
           <p:cNvPr id="3" name="Vertical Text Placeholder 2">
             <a:extLst>
               <a:ext uri="{FF2B5EF4-FFF2-40B4-BE49-F238E27FC236}">
-                <a16:creationId xmlns:a16="http://schemas.microsoft.com/office/drawing/2014/main" xmlns="" id="{DB4DAD83-434C-4BE5-83CE-410B6D0F0556}"/>
+                <a16:creationId xmlns:a16="http://schemas.microsoft.com/office/drawing/2014/main" id="{DB4DAD83-434C-4BE5-83CE-410B6D0F0556}"/>
               </a:ext>
             </a:extLst>
           </p:cNvPr>
@@ -719,7 +721,7 @@
           <p:cNvPr id="4" name="Date Placeholder 3">
             <a:extLst>
               <a:ext uri="{FF2B5EF4-FFF2-40B4-BE49-F238E27FC236}">
-                <a16:creationId xmlns:a16="http://schemas.microsoft.com/office/drawing/2014/main" xmlns="" id="{695638E5-610A-4277-86C9-7878B72B3786}"/>
+                <a16:creationId xmlns:a16="http://schemas.microsoft.com/office/drawing/2014/main" id="{695638E5-610A-4277-86C9-7878B72B3786}"/>
               </a:ext>
             </a:extLst>
           </p:cNvPr>
@@ -748,7 +750,7 @@
           <p:cNvPr id="5" name="Footer Placeholder 4">
             <a:extLst>
               <a:ext uri="{FF2B5EF4-FFF2-40B4-BE49-F238E27FC236}">
-                <a16:creationId xmlns:a16="http://schemas.microsoft.com/office/drawing/2014/main" xmlns="" id="{911778B7-16B6-45D0-86A8-38ABC85B903E}"/>
+                <a16:creationId xmlns:a16="http://schemas.microsoft.com/office/drawing/2014/main" id="{911778B7-16B6-45D0-86A8-38ABC85B903E}"/>
               </a:ext>
             </a:extLst>
           </p:cNvPr>
@@ -773,7 +775,7 @@
           <p:cNvPr id="6" name="Slide Number Placeholder 5">
             <a:extLst>
               <a:ext uri="{FF2B5EF4-FFF2-40B4-BE49-F238E27FC236}">
-                <a16:creationId xmlns:a16="http://schemas.microsoft.com/office/drawing/2014/main" xmlns="" id="{E75893BD-85C3-4317-B2A6-23F02ED6C139}"/>
+                <a16:creationId xmlns:a16="http://schemas.microsoft.com/office/drawing/2014/main" id="{E75893BD-85C3-4317-B2A6-23F02ED6C139}"/>
               </a:ext>
             </a:extLst>
           </p:cNvPr>
@@ -832,7 +834,7 @@
           <p:cNvPr id="2" name="Vertical Title 1">
             <a:extLst>
               <a:ext uri="{FF2B5EF4-FFF2-40B4-BE49-F238E27FC236}">
-                <a16:creationId xmlns:a16="http://schemas.microsoft.com/office/drawing/2014/main" xmlns="" id="{05305E1E-3949-4627-A174-A1A1B77DE65C}"/>
+                <a16:creationId xmlns:a16="http://schemas.microsoft.com/office/drawing/2014/main" id="{05305E1E-3949-4627-A174-A1A1B77DE65C}"/>
               </a:ext>
             </a:extLst>
           </p:cNvPr>
@@ -865,7 +867,7 @@
           <p:cNvPr id="3" name="Vertical Text Placeholder 2">
             <a:extLst>
               <a:ext uri="{FF2B5EF4-FFF2-40B4-BE49-F238E27FC236}">
-                <a16:creationId xmlns:a16="http://schemas.microsoft.com/office/drawing/2014/main" xmlns="" id="{882293D6-5105-44A6-89C4-17C69A30280F}"/>
+                <a16:creationId xmlns:a16="http://schemas.microsoft.com/office/drawing/2014/main" id="{882293D6-5105-44A6-89C4-17C69A30280F}"/>
               </a:ext>
             </a:extLst>
           </p:cNvPr>
@@ -927,7 +929,7 @@
           <p:cNvPr id="4" name="Date Placeholder 3">
             <a:extLst>
               <a:ext uri="{FF2B5EF4-FFF2-40B4-BE49-F238E27FC236}">
-                <a16:creationId xmlns:a16="http://schemas.microsoft.com/office/drawing/2014/main" xmlns="" id="{063444ED-CC77-47A0-828B-B4C56FC8ECDC}"/>
+                <a16:creationId xmlns:a16="http://schemas.microsoft.com/office/drawing/2014/main" id="{063444ED-CC77-47A0-828B-B4C56FC8ECDC}"/>
               </a:ext>
             </a:extLst>
           </p:cNvPr>
@@ -956,7 +958,7 @@
           <p:cNvPr id="5" name="Footer Placeholder 4">
             <a:extLst>
               <a:ext uri="{FF2B5EF4-FFF2-40B4-BE49-F238E27FC236}">
-                <a16:creationId xmlns:a16="http://schemas.microsoft.com/office/drawing/2014/main" xmlns="" id="{F4F34CF1-2E91-4A12-BF4A-ED0C4CB06326}"/>
+                <a16:creationId xmlns:a16="http://schemas.microsoft.com/office/drawing/2014/main" id="{F4F34CF1-2E91-4A12-BF4A-ED0C4CB06326}"/>
               </a:ext>
             </a:extLst>
           </p:cNvPr>
@@ -981,7 +983,7 @@
           <p:cNvPr id="6" name="Slide Number Placeholder 5">
             <a:extLst>
               <a:ext uri="{FF2B5EF4-FFF2-40B4-BE49-F238E27FC236}">
-                <a16:creationId xmlns:a16="http://schemas.microsoft.com/office/drawing/2014/main" xmlns="" id="{078EBAEE-BD5D-4721-8342-B0353E6FAF89}"/>
+                <a16:creationId xmlns:a16="http://schemas.microsoft.com/office/drawing/2014/main" id="{078EBAEE-BD5D-4721-8342-B0353E6FAF89}"/>
               </a:ext>
             </a:extLst>
           </p:cNvPr>
@@ -1040,7 +1042,7 @@
           <p:cNvPr id="2" name="Title 1">
             <a:extLst>
               <a:ext uri="{FF2B5EF4-FFF2-40B4-BE49-F238E27FC236}">
-                <a16:creationId xmlns:a16="http://schemas.microsoft.com/office/drawing/2014/main" xmlns="" id="{F3E3E622-B834-4479-8446-A47E86AE7390}"/>
+                <a16:creationId xmlns:a16="http://schemas.microsoft.com/office/drawing/2014/main" id="{F3E3E622-B834-4479-8446-A47E86AE7390}"/>
               </a:ext>
             </a:extLst>
           </p:cNvPr>
@@ -1068,7 +1070,7 @@
           <p:cNvPr id="3" name="Content Placeholder 2">
             <a:extLst>
               <a:ext uri="{FF2B5EF4-FFF2-40B4-BE49-F238E27FC236}">
-                <a16:creationId xmlns:a16="http://schemas.microsoft.com/office/drawing/2014/main" xmlns="" id="{C98A0EC8-17AA-4245-9BAD-0E9DA4CB8AC3}"/>
+                <a16:creationId xmlns:a16="http://schemas.microsoft.com/office/drawing/2014/main" id="{C98A0EC8-17AA-4245-9BAD-0E9DA4CB8AC3}"/>
               </a:ext>
             </a:extLst>
           </p:cNvPr>
@@ -1125,7 +1127,7 @@
           <p:cNvPr id="4" name="Date Placeholder 3">
             <a:extLst>
               <a:ext uri="{FF2B5EF4-FFF2-40B4-BE49-F238E27FC236}">
-                <a16:creationId xmlns:a16="http://schemas.microsoft.com/office/drawing/2014/main" xmlns="" id="{0A0D2195-858D-4786-9211-44CE9E6C40C1}"/>
+                <a16:creationId xmlns:a16="http://schemas.microsoft.com/office/drawing/2014/main" id="{0A0D2195-858D-4786-9211-44CE9E6C40C1}"/>
               </a:ext>
             </a:extLst>
           </p:cNvPr>
@@ -1154,7 +1156,7 @@
           <p:cNvPr id="5" name="Footer Placeholder 4">
             <a:extLst>
               <a:ext uri="{FF2B5EF4-FFF2-40B4-BE49-F238E27FC236}">
-                <a16:creationId xmlns:a16="http://schemas.microsoft.com/office/drawing/2014/main" xmlns="" id="{4EEC6F87-8D0E-4C33-A38F-148F1AF40C83}"/>
+                <a16:creationId xmlns:a16="http://schemas.microsoft.com/office/drawing/2014/main" id="{4EEC6F87-8D0E-4C33-A38F-148F1AF40C83}"/>
               </a:ext>
             </a:extLst>
           </p:cNvPr>
@@ -1179,7 +1181,7 @@
           <p:cNvPr id="6" name="Slide Number Placeholder 5">
             <a:extLst>
               <a:ext uri="{FF2B5EF4-FFF2-40B4-BE49-F238E27FC236}">
-                <a16:creationId xmlns:a16="http://schemas.microsoft.com/office/drawing/2014/main" xmlns="" id="{35A6586D-7915-4296-A882-BF18876EF7F6}"/>
+                <a16:creationId xmlns:a16="http://schemas.microsoft.com/office/drawing/2014/main" id="{35A6586D-7915-4296-A882-BF18876EF7F6}"/>
               </a:ext>
             </a:extLst>
           </p:cNvPr>
@@ -1238,7 +1240,7 @@
           <p:cNvPr id="2" name="Title 1">
             <a:extLst>
               <a:ext uri="{FF2B5EF4-FFF2-40B4-BE49-F238E27FC236}">
-                <a16:creationId xmlns:a16="http://schemas.microsoft.com/office/drawing/2014/main" xmlns="" id="{27E5CD05-811C-4560-BDCE-CD05227DC5FB}"/>
+                <a16:creationId xmlns:a16="http://schemas.microsoft.com/office/drawing/2014/main" id="{27E5CD05-811C-4560-BDCE-CD05227DC5FB}"/>
               </a:ext>
             </a:extLst>
           </p:cNvPr>
@@ -1275,7 +1277,7 @@
           <p:cNvPr id="3" name="Text Placeholder 2">
             <a:extLst>
               <a:ext uri="{FF2B5EF4-FFF2-40B4-BE49-F238E27FC236}">
-                <a16:creationId xmlns:a16="http://schemas.microsoft.com/office/drawing/2014/main" xmlns="" id="{F1AD73CB-39CC-4B90-A953-23D5CF212B93}"/>
+                <a16:creationId xmlns:a16="http://schemas.microsoft.com/office/drawing/2014/main" id="{F1AD73CB-39CC-4B90-A953-23D5CF212B93}"/>
               </a:ext>
             </a:extLst>
           </p:cNvPr>
@@ -1400,7 +1402,7 @@
           <p:cNvPr id="4" name="Date Placeholder 3">
             <a:extLst>
               <a:ext uri="{FF2B5EF4-FFF2-40B4-BE49-F238E27FC236}">
-                <a16:creationId xmlns:a16="http://schemas.microsoft.com/office/drawing/2014/main" xmlns="" id="{EA8D0F0F-3D4E-496A-985F-ABBAA69157B0}"/>
+                <a16:creationId xmlns:a16="http://schemas.microsoft.com/office/drawing/2014/main" id="{EA8D0F0F-3D4E-496A-985F-ABBAA69157B0}"/>
               </a:ext>
             </a:extLst>
           </p:cNvPr>
@@ -1429,7 +1431,7 @@
           <p:cNvPr id="5" name="Footer Placeholder 4">
             <a:extLst>
               <a:ext uri="{FF2B5EF4-FFF2-40B4-BE49-F238E27FC236}">
-                <a16:creationId xmlns:a16="http://schemas.microsoft.com/office/drawing/2014/main" xmlns="" id="{0BABFCFD-9D27-4805-8D40-731F08C1C17F}"/>
+                <a16:creationId xmlns:a16="http://schemas.microsoft.com/office/drawing/2014/main" id="{0BABFCFD-9D27-4805-8D40-731F08C1C17F}"/>
               </a:ext>
             </a:extLst>
           </p:cNvPr>
@@ -1454,7 +1456,7 @@
           <p:cNvPr id="6" name="Slide Number Placeholder 5">
             <a:extLst>
               <a:ext uri="{FF2B5EF4-FFF2-40B4-BE49-F238E27FC236}">
-                <a16:creationId xmlns:a16="http://schemas.microsoft.com/office/drawing/2014/main" xmlns="" id="{6BF9CA91-6203-4A0A-A059-8E2E35C8A809}"/>
+                <a16:creationId xmlns:a16="http://schemas.microsoft.com/office/drawing/2014/main" id="{6BF9CA91-6203-4A0A-A059-8E2E35C8A809}"/>
               </a:ext>
             </a:extLst>
           </p:cNvPr>
@@ -1513,7 +1515,7 @@
           <p:cNvPr id="2" name="Title 1">
             <a:extLst>
               <a:ext uri="{FF2B5EF4-FFF2-40B4-BE49-F238E27FC236}">
-                <a16:creationId xmlns:a16="http://schemas.microsoft.com/office/drawing/2014/main" xmlns="" id="{8E9751F6-DBC8-441B-B918-EF2430A64938}"/>
+                <a16:creationId xmlns:a16="http://schemas.microsoft.com/office/drawing/2014/main" id="{8E9751F6-DBC8-441B-B918-EF2430A64938}"/>
               </a:ext>
             </a:extLst>
           </p:cNvPr>
@@ -1541,7 +1543,7 @@
           <p:cNvPr id="3" name="Content Placeholder 2">
             <a:extLst>
               <a:ext uri="{FF2B5EF4-FFF2-40B4-BE49-F238E27FC236}">
-                <a16:creationId xmlns:a16="http://schemas.microsoft.com/office/drawing/2014/main" xmlns="" id="{501A3425-C4A6-4F45-98D7-882B8F0535A8}"/>
+                <a16:creationId xmlns:a16="http://schemas.microsoft.com/office/drawing/2014/main" id="{501A3425-C4A6-4F45-98D7-882B8F0535A8}"/>
               </a:ext>
             </a:extLst>
           </p:cNvPr>
@@ -1603,7 +1605,7 @@
           <p:cNvPr id="4" name="Content Placeholder 3">
             <a:extLst>
               <a:ext uri="{FF2B5EF4-FFF2-40B4-BE49-F238E27FC236}">
-                <a16:creationId xmlns:a16="http://schemas.microsoft.com/office/drawing/2014/main" xmlns="" id="{488CF2E8-BEC1-4A29-85F3-D53005FA309B}"/>
+                <a16:creationId xmlns:a16="http://schemas.microsoft.com/office/drawing/2014/main" id="{488CF2E8-BEC1-4A29-85F3-D53005FA309B}"/>
               </a:ext>
             </a:extLst>
           </p:cNvPr>
@@ -1665,7 +1667,7 @@
           <p:cNvPr id="5" name="Date Placeholder 4">
             <a:extLst>
               <a:ext uri="{FF2B5EF4-FFF2-40B4-BE49-F238E27FC236}">
-                <a16:creationId xmlns:a16="http://schemas.microsoft.com/office/drawing/2014/main" xmlns="" id="{E8230822-C8B2-4D0C-8966-06563F0898F9}"/>
+                <a16:creationId xmlns:a16="http://schemas.microsoft.com/office/drawing/2014/main" id="{E8230822-C8B2-4D0C-8966-06563F0898F9}"/>
               </a:ext>
             </a:extLst>
           </p:cNvPr>
@@ -1694,7 +1696,7 @@
           <p:cNvPr id="6" name="Footer Placeholder 5">
             <a:extLst>
               <a:ext uri="{FF2B5EF4-FFF2-40B4-BE49-F238E27FC236}">
-                <a16:creationId xmlns:a16="http://schemas.microsoft.com/office/drawing/2014/main" xmlns="" id="{EA0DD734-B491-4148-8E8C-477CB0769223}"/>
+                <a16:creationId xmlns:a16="http://schemas.microsoft.com/office/drawing/2014/main" id="{EA0DD734-B491-4148-8E8C-477CB0769223}"/>
               </a:ext>
             </a:extLst>
           </p:cNvPr>
@@ -1719,7 +1721,7 @@
           <p:cNvPr id="7" name="Slide Number Placeholder 6">
             <a:extLst>
               <a:ext uri="{FF2B5EF4-FFF2-40B4-BE49-F238E27FC236}">
-                <a16:creationId xmlns:a16="http://schemas.microsoft.com/office/drawing/2014/main" xmlns="" id="{9291EA58-64AF-4628-98C0-77AD307AA84C}"/>
+                <a16:creationId xmlns:a16="http://schemas.microsoft.com/office/drawing/2014/main" id="{9291EA58-64AF-4628-98C0-77AD307AA84C}"/>
               </a:ext>
             </a:extLst>
           </p:cNvPr>
@@ -1778,7 +1780,7 @@
           <p:cNvPr id="2" name="Title 1">
             <a:extLst>
               <a:ext uri="{FF2B5EF4-FFF2-40B4-BE49-F238E27FC236}">
-                <a16:creationId xmlns:a16="http://schemas.microsoft.com/office/drawing/2014/main" xmlns="" id="{3FD53B96-006B-4B56-9467-07583374727F}"/>
+                <a16:creationId xmlns:a16="http://schemas.microsoft.com/office/drawing/2014/main" id="{3FD53B96-006B-4B56-9467-07583374727F}"/>
               </a:ext>
             </a:extLst>
           </p:cNvPr>
@@ -1811,7 +1813,7 @@
           <p:cNvPr id="3" name="Text Placeholder 2">
             <a:extLst>
               <a:ext uri="{FF2B5EF4-FFF2-40B4-BE49-F238E27FC236}">
-                <a16:creationId xmlns:a16="http://schemas.microsoft.com/office/drawing/2014/main" xmlns="" id="{650E3213-6893-4583-91C2-E6DCE07474A6}"/>
+                <a16:creationId xmlns:a16="http://schemas.microsoft.com/office/drawing/2014/main" id="{650E3213-6893-4583-91C2-E6DCE07474A6}"/>
               </a:ext>
             </a:extLst>
           </p:cNvPr>
@@ -1882,7 +1884,7 @@
           <p:cNvPr id="4" name="Content Placeholder 3">
             <a:extLst>
               <a:ext uri="{FF2B5EF4-FFF2-40B4-BE49-F238E27FC236}">
-                <a16:creationId xmlns:a16="http://schemas.microsoft.com/office/drawing/2014/main" xmlns="" id="{22FEDD8D-870E-4363-9FC3-5C2CBA0D8AA7}"/>
+                <a16:creationId xmlns:a16="http://schemas.microsoft.com/office/drawing/2014/main" id="{22FEDD8D-870E-4363-9FC3-5C2CBA0D8AA7}"/>
               </a:ext>
             </a:extLst>
           </p:cNvPr>
@@ -1944,7 +1946,7 @@
           <p:cNvPr id="5" name="Text Placeholder 4">
             <a:extLst>
               <a:ext uri="{FF2B5EF4-FFF2-40B4-BE49-F238E27FC236}">
-                <a16:creationId xmlns:a16="http://schemas.microsoft.com/office/drawing/2014/main" xmlns="" id="{817097BA-5FEB-4739-88ED-639856C7BE62}"/>
+                <a16:creationId xmlns:a16="http://schemas.microsoft.com/office/drawing/2014/main" id="{817097BA-5FEB-4739-88ED-639856C7BE62}"/>
               </a:ext>
             </a:extLst>
           </p:cNvPr>
@@ -2015,7 +2017,7 @@
           <p:cNvPr id="6" name="Content Placeholder 5">
             <a:extLst>
               <a:ext uri="{FF2B5EF4-FFF2-40B4-BE49-F238E27FC236}">
-                <a16:creationId xmlns:a16="http://schemas.microsoft.com/office/drawing/2014/main" xmlns="" id="{B68374E8-E8D3-499D-A81C-3C0CD3F8C50E}"/>
+                <a16:creationId xmlns:a16="http://schemas.microsoft.com/office/drawing/2014/main" id="{B68374E8-E8D3-499D-A81C-3C0CD3F8C50E}"/>
               </a:ext>
             </a:extLst>
           </p:cNvPr>
@@ -2077,7 +2079,7 @@
           <p:cNvPr id="7" name="Date Placeholder 6">
             <a:extLst>
               <a:ext uri="{FF2B5EF4-FFF2-40B4-BE49-F238E27FC236}">
-                <a16:creationId xmlns:a16="http://schemas.microsoft.com/office/drawing/2014/main" xmlns="" id="{B17230A1-7A0B-4399-9510-6D5D22C284E3}"/>
+                <a16:creationId xmlns:a16="http://schemas.microsoft.com/office/drawing/2014/main" id="{B17230A1-7A0B-4399-9510-6D5D22C284E3}"/>
               </a:ext>
             </a:extLst>
           </p:cNvPr>
@@ -2106,7 +2108,7 @@
           <p:cNvPr id="8" name="Footer Placeholder 7">
             <a:extLst>
               <a:ext uri="{FF2B5EF4-FFF2-40B4-BE49-F238E27FC236}">
-                <a16:creationId xmlns:a16="http://schemas.microsoft.com/office/drawing/2014/main" xmlns="" id="{637104C0-99D1-4B08-A3E7-75F185A081AB}"/>
+                <a16:creationId xmlns:a16="http://schemas.microsoft.com/office/drawing/2014/main" id="{637104C0-99D1-4B08-A3E7-75F185A081AB}"/>
               </a:ext>
             </a:extLst>
           </p:cNvPr>
@@ -2131,7 +2133,7 @@
           <p:cNvPr id="9" name="Slide Number Placeholder 8">
             <a:extLst>
               <a:ext uri="{FF2B5EF4-FFF2-40B4-BE49-F238E27FC236}">
-                <a16:creationId xmlns:a16="http://schemas.microsoft.com/office/drawing/2014/main" xmlns="" id="{D756FF60-96B0-4F14-B9AD-337AF95EA0E8}"/>
+                <a16:creationId xmlns:a16="http://schemas.microsoft.com/office/drawing/2014/main" id="{D756FF60-96B0-4F14-B9AD-337AF95EA0E8}"/>
               </a:ext>
             </a:extLst>
           </p:cNvPr>
@@ -2190,7 +2192,7 @@
           <p:cNvPr id="2" name="Title 1">
             <a:extLst>
               <a:ext uri="{FF2B5EF4-FFF2-40B4-BE49-F238E27FC236}">
-                <a16:creationId xmlns:a16="http://schemas.microsoft.com/office/drawing/2014/main" xmlns="" id="{F82D83A1-A26D-4FCF-B159-B54519332321}"/>
+                <a16:creationId xmlns:a16="http://schemas.microsoft.com/office/drawing/2014/main" id="{F82D83A1-A26D-4FCF-B159-B54519332321}"/>
               </a:ext>
             </a:extLst>
           </p:cNvPr>
@@ -2218,7 +2220,7 @@
           <p:cNvPr id="3" name="Date Placeholder 2">
             <a:extLst>
               <a:ext uri="{FF2B5EF4-FFF2-40B4-BE49-F238E27FC236}">
-                <a16:creationId xmlns:a16="http://schemas.microsoft.com/office/drawing/2014/main" xmlns="" id="{F84CE301-75F3-4166-890B-2B7978902086}"/>
+                <a16:creationId xmlns:a16="http://schemas.microsoft.com/office/drawing/2014/main" id="{F84CE301-75F3-4166-890B-2B7978902086}"/>
               </a:ext>
             </a:extLst>
           </p:cNvPr>
@@ -2247,7 +2249,7 @@
           <p:cNvPr id="4" name="Footer Placeholder 3">
             <a:extLst>
               <a:ext uri="{FF2B5EF4-FFF2-40B4-BE49-F238E27FC236}">
-                <a16:creationId xmlns:a16="http://schemas.microsoft.com/office/drawing/2014/main" xmlns="" id="{819F8B83-8CE3-4E4D-B85F-B7E005942B3A}"/>
+                <a16:creationId xmlns:a16="http://schemas.microsoft.com/office/drawing/2014/main" id="{819F8B83-8CE3-4E4D-B85F-B7E005942B3A}"/>
               </a:ext>
             </a:extLst>
           </p:cNvPr>
@@ -2272,7 +2274,7 @@
           <p:cNvPr id="5" name="Slide Number Placeholder 4">
             <a:extLst>
               <a:ext uri="{FF2B5EF4-FFF2-40B4-BE49-F238E27FC236}">
-                <a16:creationId xmlns:a16="http://schemas.microsoft.com/office/drawing/2014/main" xmlns="" id="{B09B91A3-09B3-405E-8DF4-31E7A4F330EC}"/>
+                <a16:creationId xmlns:a16="http://schemas.microsoft.com/office/drawing/2014/main" id="{B09B91A3-09B3-405E-8DF4-31E7A4F330EC}"/>
               </a:ext>
             </a:extLst>
           </p:cNvPr>
@@ -2331,7 +2333,7 @@
           <p:cNvPr id="2" name="Date Placeholder 1">
             <a:extLst>
               <a:ext uri="{FF2B5EF4-FFF2-40B4-BE49-F238E27FC236}">
-                <a16:creationId xmlns:a16="http://schemas.microsoft.com/office/drawing/2014/main" xmlns="" id="{C0908F78-1626-4ABB-BC45-96B79AFB3286}"/>
+                <a16:creationId xmlns:a16="http://schemas.microsoft.com/office/drawing/2014/main" id="{C0908F78-1626-4ABB-BC45-96B79AFB3286}"/>
               </a:ext>
             </a:extLst>
           </p:cNvPr>
@@ -2360,7 +2362,7 @@
           <p:cNvPr id="3" name="Footer Placeholder 2">
             <a:extLst>
               <a:ext uri="{FF2B5EF4-FFF2-40B4-BE49-F238E27FC236}">
-                <a16:creationId xmlns:a16="http://schemas.microsoft.com/office/drawing/2014/main" xmlns="" id="{4D00207F-E1BE-406D-A28C-8F446DA25212}"/>
+                <a16:creationId xmlns:a16="http://schemas.microsoft.com/office/drawing/2014/main" id="{4D00207F-E1BE-406D-A28C-8F446DA25212}"/>
               </a:ext>
             </a:extLst>
           </p:cNvPr>
@@ -2385,7 +2387,7 @@
           <p:cNvPr id="4" name="Slide Number Placeholder 3">
             <a:extLst>
               <a:ext uri="{FF2B5EF4-FFF2-40B4-BE49-F238E27FC236}">
-                <a16:creationId xmlns:a16="http://schemas.microsoft.com/office/drawing/2014/main" xmlns="" id="{48B42F80-B378-478B-9017-1BCBEA417BE7}"/>
+                <a16:creationId xmlns:a16="http://schemas.microsoft.com/office/drawing/2014/main" id="{48B42F80-B378-478B-9017-1BCBEA417BE7}"/>
               </a:ext>
             </a:extLst>
           </p:cNvPr>
@@ -2444,7 +2446,7 @@
           <p:cNvPr id="2" name="Title 1">
             <a:extLst>
               <a:ext uri="{FF2B5EF4-FFF2-40B4-BE49-F238E27FC236}">
-                <a16:creationId xmlns:a16="http://schemas.microsoft.com/office/drawing/2014/main" xmlns="" id="{D01CB16A-58B2-4D88-85E1-12B8AAAB96EE}"/>
+                <a16:creationId xmlns:a16="http://schemas.microsoft.com/office/drawing/2014/main" id="{D01CB16A-58B2-4D88-85E1-12B8AAAB96EE}"/>
               </a:ext>
             </a:extLst>
           </p:cNvPr>
@@ -2481,7 +2483,7 @@
           <p:cNvPr id="3" name="Content Placeholder 2">
             <a:extLst>
               <a:ext uri="{FF2B5EF4-FFF2-40B4-BE49-F238E27FC236}">
-                <a16:creationId xmlns:a16="http://schemas.microsoft.com/office/drawing/2014/main" xmlns="" id="{1C838027-0207-47AE-8366-099F9B1A0386}"/>
+                <a16:creationId xmlns:a16="http://schemas.microsoft.com/office/drawing/2014/main" id="{1C838027-0207-47AE-8366-099F9B1A0386}"/>
               </a:ext>
             </a:extLst>
           </p:cNvPr>
@@ -2571,7 +2573,7 @@
           <p:cNvPr id="4" name="Text Placeholder 3">
             <a:extLst>
               <a:ext uri="{FF2B5EF4-FFF2-40B4-BE49-F238E27FC236}">
-                <a16:creationId xmlns:a16="http://schemas.microsoft.com/office/drawing/2014/main" xmlns="" id="{FA244D71-A8F8-4FD0-BA4B-2BEE58947655}"/>
+                <a16:creationId xmlns:a16="http://schemas.microsoft.com/office/drawing/2014/main" id="{FA244D71-A8F8-4FD0-BA4B-2BEE58947655}"/>
               </a:ext>
             </a:extLst>
           </p:cNvPr>
@@ -2642,7 +2644,7 @@
           <p:cNvPr id="5" name="Date Placeholder 4">
             <a:extLst>
               <a:ext uri="{FF2B5EF4-FFF2-40B4-BE49-F238E27FC236}">
-                <a16:creationId xmlns:a16="http://schemas.microsoft.com/office/drawing/2014/main" xmlns="" id="{1EE0A2E7-AF88-40D7-A4C3-74695AFC4A20}"/>
+                <a16:creationId xmlns:a16="http://schemas.microsoft.com/office/drawing/2014/main" id="{1EE0A2E7-AF88-40D7-A4C3-74695AFC4A20}"/>
               </a:ext>
             </a:extLst>
           </p:cNvPr>
@@ -2671,7 +2673,7 @@
           <p:cNvPr id="6" name="Footer Placeholder 5">
             <a:extLst>
               <a:ext uri="{FF2B5EF4-FFF2-40B4-BE49-F238E27FC236}">
-                <a16:creationId xmlns:a16="http://schemas.microsoft.com/office/drawing/2014/main" xmlns="" id="{506496C0-EED9-4A7C-8341-39025261A1B7}"/>
+                <a16:creationId xmlns:a16="http://schemas.microsoft.com/office/drawing/2014/main" id="{506496C0-EED9-4A7C-8341-39025261A1B7}"/>
               </a:ext>
             </a:extLst>
           </p:cNvPr>
@@ -2696,7 +2698,7 @@
           <p:cNvPr id="7" name="Slide Number Placeholder 6">
             <a:extLst>
               <a:ext uri="{FF2B5EF4-FFF2-40B4-BE49-F238E27FC236}">
-                <a16:creationId xmlns:a16="http://schemas.microsoft.com/office/drawing/2014/main" xmlns="" id="{27FC3280-F515-4672-B5ED-67C65A6DDCBA}"/>
+                <a16:creationId xmlns:a16="http://schemas.microsoft.com/office/drawing/2014/main" id="{27FC3280-F515-4672-B5ED-67C65A6DDCBA}"/>
               </a:ext>
             </a:extLst>
           </p:cNvPr>
@@ -2755,7 +2757,7 @@
           <p:cNvPr id="2" name="Title 1">
             <a:extLst>
               <a:ext uri="{FF2B5EF4-FFF2-40B4-BE49-F238E27FC236}">
-                <a16:creationId xmlns:a16="http://schemas.microsoft.com/office/drawing/2014/main" xmlns="" id="{E9722F8D-DA46-4DCD-BDAF-C58E8934463D}"/>
+                <a16:creationId xmlns:a16="http://schemas.microsoft.com/office/drawing/2014/main" id="{E9722F8D-DA46-4DCD-BDAF-C58E8934463D}"/>
               </a:ext>
             </a:extLst>
           </p:cNvPr>
@@ -2792,7 +2794,7 @@
           <p:cNvPr id="3" name="Picture Placeholder 2">
             <a:extLst>
               <a:ext uri="{FF2B5EF4-FFF2-40B4-BE49-F238E27FC236}">
-                <a16:creationId xmlns:a16="http://schemas.microsoft.com/office/drawing/2014/main" xmlns="" id="{1D8B85C1-0126-4D18-B5CB-E5A5E6595171}"/>
+                <a16:creationId xmlns:a16="http://schemas.microsoft.com/office/drawing/2014/main" id="{1D8B85C1-0126-4D18-B5CB-E5A5E6595171}"/>
               </a:ext>
             </a:extLst>
           </p:cNvPr>
@@ -2859,7 +2861,7 @@
           <p:cNvPr id="4" name="Text Placeholder 3">
             <a:extLst>
               <a:ext uri="{FF2B5EF4-FFF2-40B4-BE49-F238E27FC236}">
-                <a16:creationId xmlns:a16="http://schemas.microsoft.com/office/drawing/2014/main" xmlns="" id="{87134F25-52BB-444A-84EB-6F84FD415CD4}"/>
+                <a16:creationId xmlns:a16="http://schemas.microsoft.com/office/drawing/2014/main" id="{87134F25-52BB-444A-84EB-6F84FD415CD4}"/>
               </a:ext>
             </a:extLst>
           </p:cNvPr>
@@ -2930,7 +2932,7 @@
           <p:cNvPr id="5" name="Date Placeholder 4">
             <a:extLst>
               <a:ext uri="{FF2B5EF4-FFF2-40B4-BE49-F238E27FC236}">
-                <a16:creationId xmlns:a16="http://schemas.microsoft.com/office/drawing/2014/main" xmlns="" id="{84C0C593-250B-4D4D-A3AD-28A8E460DB36}"/>
+                <a16:creationId xmlns:a16="http://schemas.microsoft.com/office/drawing/2014/main" id="{84C0C593-250B-4D4D-A3AD-28A8E460DB36}"/>
               </a:ext>
             </a:extLst>
           </p:cNvPr>
@@ -2959,7 +2961,7 @@
           <p:cNvPr id="6" name="Footer Placeholder 5">
             <a:extLst>
               <a:ext uri="{FF2B5EF4-FFF2-40B4-BE49-F238E27FC236}">
-                <a16:creationId xmlns:a16="http://schemas.microsoft.com/office/drawing/2014/main" xmlns="" id="{157A7EAA-E8AD-4404-93E9-973AE7D0FF02}"/>
+                <a16:creationId xmlns:a16="http://schemas.microsoft.com/office/drawing/2014/main" id="{157A7EAA-E8AD-4404-93E9-973AE7D0FF02}"/>
               </a:ext>
             </a:extLst>
           </p:cNvPr>
@@ -2984,7 +2986,7 @@
           <p:cNvPr id="7" name="Slide Number Placeholder 6">
             <a:extLst>
               <a:ext uri="{FF2B5EF4-FFF2-40B4-BE49-F238E27FC236}">
-                <a16:creationId xmlns:a16="http://schemas.microsoft.com/office/drawing/2014/main" xmlns="" id="{62A90BFC-68FE-43C0-80BA-B69AD350ED91}"/>
+                <a16:creationId xmlns:a16="http://schemas.microsoft.com/office/drawing/2014/main" id="{62A90BFC-68FE-43C0-80BA-B69AD350ED91}"/>
               </a:ext>
             </a:extLst>
           </p:cNvPr>
@@ -3048,7 +3050,7 @@
           <p:cNvPr id="2" name="Title Placeholder 1">
             <a:extLst>
               <a:ext uri="{FF2B5EF4-FFF2-40B4-BE49-F238E27FC236}">
-                <a16:creationId xmlns:a16="http://schemas.microsoft.com/office/drawing/2014/main" xmlns="" id="{5D98C0A5-FD14-4BA1-8118-DC91AA6AAFCE}"/>
+                <a16:creationId xmlns:a16="http://schemas.microsoft.com/office/drawing/2014/main" id="{5D98C0A5-FD14-4BA1-8118-DC91AA6AAFCE}"/>
               </a:ext>
             </a:extLst>
           </p:cNvPr>
@@ -3086,7 +3088,7 @@
           <p:cNvPr id="3" name="Text Placeholder 2">
             <a:extLst>
               <a:ext uri="{FF2B5EF4-FFF2-40B4-BE49-F238E27FC236}">
-                <a16:creationId xmlns:a16="http://schemas.microsoft.com/office/drawing/2014/main" xmlns="" id="{BB431F28-D6D7-49DA-AEE0-C8883EFA7417}"/>
+                <a16:creationId xmlns:a16="http://schemas.microsoft.com/office/drawing/2014/main" id="{BB431F28-D6D7-49DA-AEE0-C8883EFA7417}"/>
               </a:ext>
             </a:extLst>
           </p:cNvPr>
@@ -3153,7 +3155,7 @@
           <p:cNvPr id="4" name="Date Placeholder 3">
             <a:extLst>
               <a:ext uri="{FF2B5EF4-FFF2-40B4-BE49-F238E27FC236}">
-                <a16:creationId xmlns:a16="http://schemas.microsoft.com/office/drawing/2014/main" xmlns="" id="{377F180B-93F7-4C3F-8059-D4C2BB503206}"/>
+                <a16:creationId xmlns:a16="http://schemas.microsoft.com/office/drawing/2014/main" id="{377F180B-93F7-4C3F-8059-D4C2BB503206}"/>
               </a:ext>
             </a:extLst>
           </p:cNvPr>
@@ -3200,7 +3202,7 @@
           <p:cNvPr id="5" name="Footer Placeholder 4">
             <a:extLst>
               <a:ext uri="{FF2B5EF4-FFF2-40B4-BE49-F238E27FC236}">
-                <a16:creationId xmlns:a16="http://schemas.microsoft.com/office/drawing/2014/main" xmlns="" id="{771D7BFF-870B-42A3-8237-5E0C75E7A9A7}"/>
+                <a16:creationId xmlns:a16="http://schemas.microsoft.com/office/drawing/2014/main" id="{771D7BFF-870B-42A3-8237-5E0C75E7A9A7}"/>
               </a:ext>
             </a:extLst>
           </p:cNvPr>
@@ -3243,7 +3245,7 @@
           <p:cNvPr id="6" name="Slide Number Placeholder 5">
             <a:extLst>
               <a:ext uri="{FF2B5EF4-FFF2-40B4-BE49-F238E27FC236}">
-                <a16:creationId xmlns:a16="http://schemas.microsoft.com/office/drawing/2014/main" xmlns="" id="{DE04AA3E-4789-48F5-948E-04E0AF5F35D2}"/>
+                <a16:creationId xmlns:a16="http://schemas.microsoft.com/office/drawing/2014/main" id="{DE04AA3E-4789-48F5-948E-04E0AF5F35D2}"/>
               </a:ext>
             </a:extLst>
           </p:cNvPr>
@@ -3611,7 +3613,7 @@
           <p:cNvPr id="2" name="Title 1">
             <a:extLst>
               <a:ext uri="{FF2B5EF4-FFF2-40B4-BE49-F238E27FC236}">
-                <a16:creationId xmlns:a16="http://schemas.microsoft.com/office/drawing/2014/main" xmlns="" id="{F2B68D1B-9421-4D89-8F65-23D447459D83}"/>
+                <a16:creationId xmlns:a16="http://schemas.microsoft.com/office/drawing/2014/main" id="{F2B68D1B-9421-4D89-8F65-23D447459D83}"/>
               </a:ext>
             </a:extLst>
           </p:cNvPr>
@@ -3639,7 +3641,7 @@
           <p:cNvPr id="3" name="Content Placeholder 2">
             <a:extLst>
               <a:ext uri="{FF2B5EF4-FFF2-40B4-BE49-F238E27FC236}">
-                <a16:creationId xmlns:a16="http://schemas.microsoft.com/office/drawing/2014/main" xmlns="" id="{B0990DE6-83F5-4146-BFEC-C1BFF9494A05}"/>
+                <a16:creationId xmlns:a16="http://schemas.microsoft.com/office/drawing/2014/main" id="{B0990DE6-83F5-4146-BFEC-C1BFF9494A05}"/>
               </a:ext>
             </a:extLst>
           </p:cNvPr>
@@ -3663,6 +3665,86 @@
     <p:extLst>
       <p:ext uri="{BB962C8B-B14F-4D97-AF65-F5344CB8AC3E}">
         <p14:creationId xmlns:p14="http://schemas.microsoft.com/office/powerpoint/2010/main" val="892242858"/>
+      </p:ext>
+    </p:extLst>
+  </p:cSld>
+  <p:clrMapOvr>
+    <a:masterClrMapping/>
+  </p:clrMapOvr>
+</p:sld>
+</file>
+
+<file path=ppt/slides/slide10.xml><?xml version="1.0" encoding="utf-8"?>
+<p:sld xmlns:a="http://schemas.openxmlformats.org/drawingml/2006/main" xmlns:r="http://schemas.openxmlformats.org/officeDocument/2006/relationships" xmlns:p="http://schemas.openxmlformats.org/presentationml/2006/main">
+  <p:cSld>
+    <p:spTree>
+      <p:nvGrpSpPr>
+        <p:cNvPr id="1" name=""/>
+        <p:cNvGrpSpPr/>
+        <p:nvPr/>
+      </p:nvGrpSpPr>
+      <p:grpSpPr>
+        <a:xfrm>
+          <a:off x="0" y="0"/>
+          <a:ext cx="0" cy="0"/>
+          <a:chOff x="0" y="0"/>
+          <a:chExt cx="0" cy="0"/>
+        </a:xfrm>
+      </p:grpSpPr>
+      <p:sp>
+        <p:nvSpPr>
+          <p:cNvPr id="2" name="Title 1">
+            <a:extLst>
+              <a:ext uri="{FF2B5EF4-FFF2-40B4-BE49-F238E27FC236}">
+                <a16:creationId xmlns:a16="http://schemas.microsoft.com/office/drawing/2014/main" id="{375667B2-48AB-410F-A5B1-2FF3E30F821B}"/>
+              </a:ext>
+            </a:extLst>
+          </p:cNvPr>
+          <p:cNvSpPr>
+            <a:spLocks noGrp="1"/>
+          </p:cNvSpPr>
+          <p:nvPr>
+            <p:ph type="title"/>
+          </p:nvPr>
+        </p:nvSpPr>
+        <p:spPr/>
+        <p:txBody>
+          <a:bodyPr/>
+          <a:lstStyle/>
+          <a:p>
+            <a:endParaRPr lang="en-US" dirty="0"/>
+          </a:p>
+        </p:txBody>
+      </p:sp>
+      <p:sp>
+        <p:nvSpPr>
+          <p:cNvPr id="3" name="Content Placeholder 2">
+            <a:extLst>
+              <a:ext uri="{FF2B5EF4-FFF2-40B4-BE49-F238E27FC236}">
+                <a16:creationId xmlns:a16="http://schemas.microsoft.com/office/drawing/2014/main" id="{69B8509A-2D69-44B5-9AA5-12D53D2B24DD}"/>
+              </a:ext>
+            </a:extLst>
+          </p:cNvPr>
+          <p:cNvSpPr>
+            <a:spLocks noGrp="1"/>
+          </p:cNvSpPr>
+          <p:nvPr>
+            <p:ph idx="1"/>
+          </p:nvPr>
+        </p:nvSpPr>
+        <p:spPr/>
+        <p:txBody>
+          <a:bodyPr/>
+          <a:lstStyle/>
+          <a:p>
+            <a:endParaRPr lang="en-US"/>
+          </a:p>
+        </p:txBody>
+      </p:sp>
+    </p:spTree>
+    <p:extLst>
+      <p:ext uri="{BB962C8B-B14F-4D97-AF65-F5344CB8AC3E}">
+        <p14:creationId xmlns:p14="http://schemas.microsoft.com/office/powerpoint/2010/main" val="1662399972"/>
       </p:ext>
     </p:extLst>
   </p:cSld>
@@ -3694,7 +3776,7 @@
           <p:cNvPr id="4" name="Picture 3" descr="A screenshot of a cell phone&#10;&#10;Description automatically generated">
             <a:extLst>
               <a:ext uri="{FF2B5EF4-FFF2-40B4-BE49-F238E27FC236}">
-                <a16:creationId xmlns:a16="http://schemas.microsoft.com/office/drawing/2014/main" xmlns="" id="{F5A9688D-C2F8-4855-AC14-E4E0472B16B9}"/>
+                <a16:creationId xmlns:a16="http://schemas.microsoft.com/office/drawing/2014/main" id="{F5A9688D-C2F8-4855-AC14-E4E0472B16B9}"/>
               </a:ext>
             </a:extLst>
           </p:cNvPr>
@@ -3730,7 +3812,7 @@
           <p:cNvPr id="7" name="Picture 6" descr="A screenshot of a cell phone&#10;&#10;Description automatically generated">
             <a:extLst>
               <a:ext uri="{FF2B5EF4-FFF2-40B4-BE49-F238E27FC236}">
-                <a16:creationId xmlns:a16="http://schemas.microsoft.com/office/drawing/2014/main" xmlns="" id="{953B9699-1780-4287-B289-5EEEE7EDC1DD}"/>
+                <a16:creationId xmlns:a16="http://schemas.microsoft.com/office/drawing/2014/main" id="{953B9699-1780-4287-B289-5EEEE7EDC1DD}"/>
               </a:ext>
             </a:extLst>
           </p:cNvPr>
@@ -3766,7 +3848,7 @@
           <p:cNvPr id="10" name="Picture 9" descr="A close up of text on a white background&#10;&#10;Description automatically generated">
             <a:extLst>
               <a:ext uri="{FF2B5EF4-FFF2-40B4-BE49-F238E27FC236}">
-                <a16:creationId xmlns:a16="http://schemas.microsoft.com/office/drawing/2014/main" xmlns="" id="{6C9E265C-B29E-448A-99CB-2113E2431DCC}"/>
+                <a16:creationId xmlns:a16="http://schemas.microsoft.com/office/drawing/2014/main" id="{6C9E265C-B29E-448A-99CB-2113E2431DCC}"/>
               </a:ext>
             </a:extLst>
           </p:cNvPr>
@@ -3802,7 +3884,7 @@
           <p:cNvPr id="20" name="Picture 19" descr="A screenshot of a cell phone&#10;&#10;Description automatically generated">
             <a:extLst>
               <a:ext uri="{FF2B5EF4-FFF2-40B4-BE49-F238E27FC236}">
-                <a16:creationId xmlns:a16="http://schemas.microsoft.com/office/drawing/2014/main" xmlns="" id="{C968CD4F-A8F8-49C1-B2F6-FD85A8655B48}"/>
+                <a16:creationId xmlns:a16="http://schemas.microsoft.com/office/drawing/2014/main" id="{C968CD4F-A8F8-49C1-B2F6-FD85A8655B48}"/>
               </a:ext>
             </a:extLst>
           </p:cNvPr>
@@ -3868,7 +3950,7 @@
           <p:cNvPr id="12" name="Picture 11" descr="A close up of text on a white background&#10;&#10;Description automatically generated">
             <a:extLst>
               <a:ext uri="{FF2B5EF4-FFF2-40B4-BE49-F238E27FC236}">
-                <a16:creationId xmlns:a16="http://schemas.microsoft.com/office/drawing/2014/main" xmlns="" id="{727DE82C-3478-434E-A5EA-813B04A4A904}"/>
+                <a16:creationId xmlns:a16="http://schemas.microsoft.com/office/drawing/2014/main" id="{727DE82C-3478-434E-A5EA-813B04A4A904}"/>
               </a:ext>
             </a:extLst>
           </p:cNvPr>
@@ -3904,7 +3986,7 @@
           <p:cNvPr id="14" name="Picture 13" descr="A screenshot of a cell phone&#10;&#10;Description automatically generated">
             <a:extLst>
               <a:ext uri="{FF2B5EF4-FFF2-40B4-BE49-F238E27FC236}">
-                <a16:creationId xmlns:a16="http://schemas.microsoft.com/office/drawing/2014/main" xmlns="" id="{E2506422-8B95-49BE-90EC-C0E41A5CFD11}"/>
+                <a16:creationId xmlns:a16="http://schemas.microsoft.com/office/drawing/2014/main" id="{E2506422-8B95-49BE-90EC-C0E41A5CFD11}"/>
               </a:ext>
             </a:extLst>
           </p:cNvPr>
@@ -3940,7 +4022,7 @@
           <p:cNvPr id="16" name="Picture 15" descr="A close up of a map&#10;&#10;Description automatically generated">
             <a:extLst>
               <a:ext uri="{FF2B5EF4-FFF2-40B4-BE49-F238E27FC236}">
-                <a16:creationId xmlns:a16="http://schemas.microsoft.com/office/drawing/2014/main" xmlns="" id="{5977F0D6-8BCA-466F-8677-A9FD495287BE}"/>
+                <a16:creationId xmlns:a16="http://schemas.microsoft.com/office/drawing/2014/main" id="{5977F0D6-8BCA-466F-8677-A9FD495287BE}"/>
               </a:ext>
             </a:extLst>
           </p:cNvPr>
@@ -3976,7 +4058,7 @@
           <p:cNvPr id="18" name="Picture 17" descr="A screenshot of text&#10;&#10;Description automatically generated">
             <a:extLst>
               <a:ext uri="{FF2B5EF4-FFF2-40B4-BE49-F238E27FC236}">
-                <a16:creationId xmlns:a16="http://schemas.microsoft.com/office/drawing/2014/main" xmlns="" id="{72897302-9B6E-4BE9-A6B6-C33E66075DBB}"/>
+                <a16:creationId xmlns:a16="http://schemas.microsoft.com/office/drawing/2014/main" id="{72897302-9B6E-4BE9-A6B6-C33E66075DBB}"/>
               </a:ext>
             </a:extLst>
           </p:cNvPr>
@@ -4042,7 +4124,7 @@
           <p:cNvPr id="7" name="Picture 6" descr="A screenshot of text&#10;&#10;Description automatically generated">
             <a:extLst>
               <a:ext uri="{FF2B5EF4-FFF2-40B4-BE49-F238E27FC236}">
-                <a16:creationId xmlns:a16="http://schemas.microsoft.com/office/drawing/2014/main" xmlns="" id="{94AB6B60-7A06-4AB8-A649-46825E5EEADE}"/>
+                <a16:creationId xmlns:a16="http://schemas.microsoft.com/office/drawing/2014/main" id="{94AB6B60-7A06-4AB8-A649-46825E5EEADE}"/>
               </a:ext>
             </a:extLst>
           </p:cNvPr>
@@ -4078,7 +4160,7 @@
           <p:cNvPr id="9" name="Picture 8" descr="A screenshot of a cell phone&#10;&#10;Description automatically generated">
             <a:extLst>
               <a:ext uri="{FF2B5EF4-FFF2-40B4-BE49-F238E27FC236}">
-                <a16:creationId xmlns:a16="http://schemas.microsoft.com/office/drawing/2014/main" xmlns="" id="{6E79A83B-AFF0-495F-A769-D882CAB92D11}"/>
+                <a16:creationId xmlns:a16="http://schemas.microsoft.com/office/drawing/2014/main" id="{6E79A83B-AFF0-495F-A769-D882CAB92D11}"/>
               </a:ext>
             </a:extLst>
           </p:cNvPr>
@@ -4114,7 +4196,7 @@
           <p:cNvPr id="11" name="Picture 10" descr="A close up of a mans face&#10;&#10;Description automatically generated">
             <a:extLst>
               <a:ext uri="{FF2B5EF4-FFF2-40B4-BE49-F238E27FC236}">
-                <a16:creationId xmlns:a16="http://schemas.microsoft.com/office/drawing/2014/main" xmlns="" id="{75261BD6-5B66-4C36-8185-E3A7ED0ED93F}"/>
+                <a16:creationId xmlns:a16="http://schemas.microsoft.com/office/drawing/2014/main" id="{75261BD6-5B66-4C36-8185-E3A7ED0ED93F}"/>
               </a:ext>
             </a:extLst>
           </p:cNvPr>
@@ -4150,7 +4232,7 @@
           <p:cNvPr id="13" name="Picture 12" descr="A screenshot of text&#10;&#10;Description automatically generated">
             <a:extLst>
               <a:ext uri="{FF2B5EF4-FFF2-40B4-BE49-F238E27FC236}">
-                <a16:creationId xmlns:a16="http://schemas.microsoft.com/office/drawing/2014/main" xmlns="" id="{E6F3D296-653F-4486-B761-916EDE26994C}"/>
+                <a16:creationId xmlns:a16="http://schemas.microsoft.com/office/drawing/2014/main" id="{E6F3D296-653F-4486-B761-916EDE26994C}"/>
               </a:ext>
             </a:extLst>
           </p:cNvPr>
@@ -4216,7 +4298,7 @@
           <p:cNvPr id="5" name="Picture 4" descr="A close up of a map&#10;&#10;Description automatically generated">
             <a:extLst>
               <a:ext uri="{FF2B5EF4-FFF2-40B4-BE49-F238E27FC236}">
-                <a16:creationId xmlns:a16="http://schemas.microsoft.com/office/drawing/2014/main" xmlns="" id="{C0872886-B4FF-4767-B1E7-22E30D245F64}"/>
+                <a16:creationId xmlns:a16="http://schemas.microsoft.com/office/drawing/2014/main" id="{C0872886-B4FF-4767-B1E7-22E30D245F64}"/>
               </a:ext>
             </a:extLst>
           </p:cNvPr>
@@ -4252,7 +4334,7 @@
           <p:cNvPr id="15" name="Picture 14" descr="A screenshot of text&#10;&#10;Description automatically generated">
             <a:extLst>
               <a:ext uri="{FF2B5EF4-FFF2-40B4-BE49-F238E27FC236}">
-                <a16:creationId xmlns:a16="http://schemas.microsoft.com/office/drawing/2014/main" xmlns="" id="{99111CDC-C698-4E4B-88E3-7F6FF94618DF}"/>
+                <a16:creationId xmlns:a16="http://schemas.microsoft.com/office/drawing/2014/main" id="{99111CDC-C698-4E4B-88E3-7F6FF94618DF}"/>
               </a:ext>
             </a:extLst>
           </p:cNvPr>
@@ -4288,7 +4370,7 @@
           <p:cNvPr id="17" name="Picture 16" descr="A close up of text on a white background&#10;&#10;Description automatically generated">
             <a:extLst>
               <a:ext uri="{FF2B5EF4-FFF2-40B4-BE49-F238E27FC236}">
-                <a16:creationId xmlns:a16="http://schemas.microsoft.com/office/drawing/2014/main" xmlns="" id="{90BAD05E-376D-4A2F-ABBF-FCB557F11B41}"/>
+                <a16:creationId xmlns:a16="http://schemas.microsoft.com/office/drawing/2014/main" id="{90BAD05E-376D-4A2F-ABBF-FCB557F11B41}"/>
               </a:ext>
             </a:extLst>
           </p:cNvPr>
@@ -4324,7 +4406,7 @@
           <p:cNvPr id="19" name="Picture 18" descr="A close up of a map&#10;&#10;Description automatically generated">
             <a:extLst>
               <a:ext uri="{FF2B5EF4-FFF2-40B4-BE49-F238E27FC236}">
-                <a16:creationId xmlns:a16="http://schemas.microsoft.com/office/drawing/2014/main" xmlns="" id="{430E6293-B5E3-48C1-97DF-540A8B0DC2CD}"/>
+                <a16:creationId xmlns:a16="http://schemas.microsoft.com/office/drawing/2014/main" id="{430E6293-B5E3-48C1-97DF-540A8B0DC2CD}"/>
               </a:ext>
             </a:extLst>
           </p:cNvPr>
@@ -4390,7 +4472,7 @@
           <p:cNvPr id="3" name="Picture 2" descr="A close up of a map&#10;&#10;Description automatically generated">
             <a:extLst>
               <a:ext uri="{FF2B5EF4-FFF2-40B4-BE49-F238E27FC236}">
-                <a16:creationId xmlns:a16="http://schemas.microsoft.com/office/drawing/2014/main" xmlns="" id="{0D7D7544-3AA8-4D9A-990E-02D33B897F9C}"/>
+                <a16:creationId xmlns:a16="http://schemas.microsoft.com/office/drawing/2014/main" id="{0D7D7544-3AA8-4D9A-990E-02D33B897F9C}"/>
               </a:ext>
             </a:extLst>
           </p:cNvPr>
@@ -4426,7 +4508,7 @@
           <p:cNvPr id="6" name="Picture 5" descr="A screenshot of a cell phone&#10;&#10;Description automatically generated">
             <a:extLst>
               <a:ext uri="{FF2B5EF4-FFF2-40B4-BE49-F238E27FC236}">
-                <a16:creationId xmlns:a16="http://schemas.microsoft.com/office/drawing/2014/main" xmlns="" id="{C422405D-FA8B-456F-AF87-3C381A5FEABF}"/>
+                <a16:creationId xmlns:a16="http://schemas.microsoft.com/office/drawing/2014/main" id="{C422405D-FA8B-456F-AF87-3C381A5FEABF}"/>
               </a:ext>
             </a:extLst>
           </p:cNvPr>
@@ -4462,7 +4544,7 @@
           <p:cNvPr id="8" name="Picture 7" descr="A close up of text on a white background&#10;&#10;Description automatically generated">
             <a:extLst>
               <a:ext uri="{FF2B5EF4-FFF2-40B4-BE49-F238E27FC236}">
-                <a16:creationId xmlns:a16="http://schemas.microsoft.com/office/drawing/2014/main" xmlns="" id="{518EB5DA-7474-4261-9F90-B7F9C6529955}"/>
+                <a16:creationId xmlns:a16="http://schemas.microsoft.com/office/drawing/2014/main" id="{518EB5DA-7474-4261-9F90-B7F9C6529955}"/>
               </a:ext>
             </a:extLst>
           </p:cNvPr>
@@ -4503,13 +4585,6 @@
   <p:clrMapOvr>
     <a:masterClrMapping/>
   </p:clrMapOvr>
-  <p:timing>
-    <p:tnLst>
-      <p:par>
-        <p:cTn id="1" dur="indefinite" restart="never" nodeType="tmRoot"/>
-      </p:par>
-    </p:tnLst>
-  </p:timing>
 </p:sld>
 </file>
 
@@ -4729,13 +4804,6 @@
   <p:clrMapOvr>
     <a:masterClrMapping/>
   </p:clrMapOvr>
-  <p:timing>
-    <p:tnLst>
-      <p:par>
-        <p:cTn id="1" dur="indefinite" restart="never" nodeType="tmRoot"/>
-      </p:par>
-    </p:tnLst>
-  </p:timing>
 </p:sld>
 </file>
 
@@ -4916,13 +4984,305 @@
   <p:clrMapOvr>
     <a:masterClrMapping/>
   </p:clrMapOvr>
-  <p:timing>
-    <p:tnLst>
-      <p:par>
-        <p:cTn id="1" dur="indefinite" restart="never" nodeType="tmRoot"/>
-      </p:par>
-    </p:tnLst>
-  </p:timing>
+</p:sld>
+</file>
+
+<file path=ppt/slides/slide9.xml><?xml version="1.0" encoding="utf-8"?>
+<p:sld xmlns:a="http://schemas.openxmlformats.org/drawingml/2006/main" xmlns:r="http://schemas.openxmlformats.org/officeDocument/2006/relationships" xmlns:p="http://schemas.openxmlformats.org/presentationml/2006/main">
+  <p:cSld>
+    <p:bg>
+      <p:bgPr>
+        <a:solidFill>
+          <a:schemeClr val="bg1"/>
+        </a:solidFill>
+        <a:effectLst/>
+      </p:bgPr>
+    </p:bg>
+    <p:spTree>
+      <p:nvGrpSpPr>
+        <p:cNvPr id="1" name=""/>
+        <p:cNvGrpSpPr/>
+        <p:nvPr/>
+      </p:nvGrpSpPr>
+      <p:grpSpPr>
+        <a:xfrm>
+          <a:off x="0" y="0"/>
+          <a:ext cx="0" cy="0"/>
+          <a:chOff x="0" y="0"/>
+          <a:chExt cx="0" cy="0"/>
+        </a:xfrm>
+      </p:grpSpPr>
+      <p:sp>
+        <p:nvSpPr>
+          <p:cNvPr id="33" name="Rectangle 32">
+            <a:extLst>
+              <a:ext uri="{FF2B5EF4-FFF2-40B4-BE49-F238E27FC236}">
+                <a16:creationId xmlns:a16="http://schemas.microsoft.com/office/drawing/2014/main" id="{A9F529C3-C941-49FD-8C67-82F134F64BDB}"/>
+              </a:ext>
+              <a:ext uri="{C183D7F6-B498-43B3-948B-1728B52AA6E4}">
+                <adec:decorative xmlns:adec="http://schemas.microsoft.com/office/drawing/2017/decorative" val="1"/>
+              </a:ext>
+            </a:extLst>
+          </p:cNvPr>
+          <p:cNvSpPr>
+            <a:spLocks noGrp="1" noRot="1" noChangeAspect="1" noMove="1" noResize="1" noEditPoints="1" noAdjustHandles="1" noChangeArrowheads="1" noChangeShapeType="1" noTextEdit="1"/>
+          </p:cNvSpPr>
+          <p:nvPr>
+            <p:extLst>
+              <p:ext uri="{386F3935-93C4-4BCD-93E2-E3B085C9AB24}">
+                <p16:designElem xmlns:p16="http://schemas.microsoft.com/office/powerpoint/2015/main" val="1"/>
+              </p:ext>
+            </p:extLst>
+          </p:nvPr>
+        </p:nvSpPr>
+        <p:spPr>
+          <a:xfrm>
+            <a:off x="0" y="0"/>
+            <a:ext cx="12192000" cy="6858000"/>
+          </a:xfrm>
+          <a:prstGeom prst="rect">
+            <a:avLst/>
+          </a:prstGeom>
+          <a:solidFill>
+            <a:schemeClr val="tx1">
+              <a:lumMod val="50000"/>
+              <a:lumOff val="50000"/>
+              <a:alpha val="30000"/>
+            </a:schemeClr>
+          </a:solidFill>
+          <a:ln>
+            <a:noFill/>
+          </a:ln>
+        </p:spPr>
+        <p:style>
+          <a:lnRef idx="2">
+            <a:schemeClr val="accent1">
+              <a:shade val="50000"/>
+            </a:schemeClr>
+          </a:lnRef>
+          <a:fillRef idx="1">
+            <a:schemeClr val="accent1"/>
+          </a:fillRef>
+          <a:effectRef idx="0">
+            <a:schemeClr val="accent1"/>
+          </a:effectRef>
+          <a:fontRef idx="minor">
+            <a:schemeClr val="lt1"/>
+          </a:fontRef>
+        </p:style>
+        <p:txBody>
+          <a:bodyPr rtlCol="0" anchor="ctr"/>
+          <a:lstStyle/>
+          <a:p>
+            <a:pPr algn="ctr"/>
+            <a:endParaRPr lang="en-US"/>
+          </a:p>
+        </p:txBody>
+      </p:sp>
+      <p:sp>
+        <p:nvSpPr>
+          <p:cNvPr id="35" name="Rectangle 34">
+            <a:extLst>
+              <a:ext uri="{FF2B5EF4-FFF2-40B4-BE49-F238E27FC236}">
+                <a16:creationId xmlns:a16="http://schemas.microsoft.com/office/drawing/2014/main" id="{20586029-32A0-47E5-9AEC-AE3ABA6B94D0}"/>
+              </a:ext>
+              <a:ext uri="{C183D7F6-B498-43B3-948B-1728B52AA6E4}">
+                <adec:decorative xmlns:adec="http://schemas.microsoft.com/office/drawing/2017/decorative" val="1"/>
+              </a:ext>
+            </a:extLst>
+          </p:cNvPr>
+          <p:cNvSpPr>
+            <a:spLocks noGrp="1" noRot="1" noChangeAspect="1" noMove="1" noResize="1" noEditPoints="1" noAdjustHandles="1" noChangeArrowheads="1" noChangeShapeType="1" noTextEdit="1"/>
+          </p:cNvSpPr>
+          <p:nvPr>
+            <p:extLst>
+              <p:ext uri="{386F3935-93C4-4BCD-93E2-E3B085C9AB24}">
+                <p16:designElem xmlns:p16="http://schemas.microsoft.com/office/powerpoint/2015/main" val="1"/>
+              </p:ext>
+            </p:extLst>
+          </p:nvPr>
+        </p:nvSpPr>
+        <p:spPr>
+          <a:xfrm>
+            <a:off x="477012" y="480060"/>
+            <a:ext cx="11237976" cy="5897880"/>
+          </a:xfrm>
+          <a:prstGeom prst="rect">
+            <a:avLst/>
+          </a:prstGeom>
+          <a:solidFill>
+            <a:srgbClr val="FFFFFF"/>
+          </a:solidFill>
+          <a:ln w="9525">
+            <a:noFill/>
+          </a:ln>
+          <a:effectLst>
+            <a:outerShdw blurRad="63500" dist="17780" dir="5400000" algn="t" rotWithShape="0">
+              <a:prstClr val="black">
+                <a:alpha val="43000"/>
+              </a:prstClr>
+            </a:outerShdw>
+          </a:effectLst>
+        </p:spPr>
+        <p:style>
+          <a:lnRef idx="2">
+            <a:schemeClr val="accent1">
+              <a:shade val="50000"/>
+            </a:schemeClr>
+          </a:lnRef>
+          <a:fillRef idx="1">
+            <a:schemeClr val="accent1"/>
+          </a:fillRef>
+          <a:effectRef idx="0">
+            <a:schemeClr val="accent1"/>
+          </a:effectRef>
+          <a:fontRef idx="minor">
+            <a:schemeClr val="lt1"/>
+          </a:fontRef>
+        </p:style>
+        <p:txBody>
+          <a:bodyPr rtlCol="0" anchor="ctr"/>
+          <a:lstStyle/>
+          <a:p>
+            <a:pPr algn="ctr"/>
+            <a:endParaRPr lang="en-US"/>
+          </a:p>
+        </p:txBody>
+      </p:sp>
+      <p:pic>
+        <p:nvPicPr>
+          <p:cNvPr id="10" name="Picture 9" descr="A close up of a map&#10;&#10;Description automatically generated">
+            <a:extLst>
+              <a:ext uri="{FF2B5EF4-FFF2-40B4-BE49-F238E27FC236}">
+                <a16:creationId xmlns:a16="http://schemas.microsoft.com/office/drawing/2014/main" id="{E7E541A7-7CD8-4D8B-9BD1-835DDB647F73}"/>
+              </a:ext>
+            </a:extLst>
+          </p:cNvPr>
+          <p:cNvPicPr>
+            <a:picLocks noChangeAspect="1"/>
+          </p:cNvPicPr>
+          <p:nvPr/>
+        </p:nvPicPr>
+        <p:blipFill>
+          <a:blip r:embed="rId2">
+            <a:extLst>
+              <a:ext uri="{28A0092B-C50C-407E-A947-70E740481C1C}">
+                <a14:useLocalDpi xmlns:a14="http://schemas.microsoft.com/office/drawing/2010/main" val="0"/>
+              </a:ext>
+            </a:extLst>
+          </a:blip>
+          <a:stretch>
+            <a:fillRect/>
+          </a:stretch>
+        </p:blipFill>
+        <p:spPr>
+          <a:xfrm>
+            <a:off x="6250114" y="1140376"/>
+            <a:ext cx="5294716" cy="3529810"/>
+          </a:xfrm>
+          <a:prstGeom prst="rect">
+            <a:avLst/>
+          </a:prstGeom>
+        </p:spPr>
+      </p:pic>
+      <p:cxnSp>
+        <p:nvCxnSpPr>
+          <p:cNvPr id="37" name="Straight Connector 36">
+            <a:extLst>
+              <a:ext uri="{FF2B5EF4-FFF2-40B4-BE49-F238E27FC236}">
+                <a16:creationId xmlns:a16="http://schemas.microsoft.com/office/drawing/2014/main" id="{8C730EAB-A532-4295-A302-FB4B90DB9F5E}"/>
+              </a:ext>
+              <a:ext uri="{C183D7F6-B498-43B3-948B-1728B52AA6E4}">
+                <adec:decorative xmlns:adec="http://schemas.microsoft.com/office/drawing/2017/decorative" val="1"/>
+              </a:ext>
+            </a:extLst>
+          </p:cNvPr>
+          <p:cNvCxnSpPr>
+            <a:cxnSpLocks noGrp="1" noRot="1" noChangeAspect="1" noMove="1" noResize="1" noEditPoints="1" noAdjustHandles="1" noChangeArrowheads="1" noChangeShapeType="1"/>
+          </p:cNvCxnSpPr>
+          <p:nvPr>
+            <p:extLst>
+              <p:ext uri="{386F3935-93C4-4BCD-93E2-E3B085C9AB24}">
+                <p16:designElem xmlns:p16="http://schemas.microsoft.com/office/powerpoint/2015/main" val="1"/>
+              </p:ext>
+            </p:extLst>
+          </p:nvPr>
+        </p:nvCxnSpPr>
+        <p:spPr>
+          <a:xfrm>
+            <a:off x="6079958" y="1143000"/>
+            <a:ext cx="0" cy="4572000"/>
+          </a:xfrm>
+          <a:prstGeom prst="line">
+            <a:avLst/>
+          </a:prstGeom>
+          <a:ln>
+            <a:solidFill>
+              <a:srgbClr val="4E4E4E"/>
+            </a:solidFill>
+          </a:ln>
+        </p:spPr>
+        <p:style>
+          <a:lnRef idx="1">
+            <a:schemeClr val="accent1"/>
+          </a:lnRef>
+          <a:fillRef idx="0">
+            <a:schemeClr val="accent1"/>
+          </a:fillRef>
+          <a:effectRef idx="0">
+            <a:schemeClr val="accent1"/>
+          </a:effectRef>
+          <a:fontRef idx="minor">
+            <a:schemeClr val="tx1"/>
+          </a:fontRef>
+        </p:style>
+      </p:cxnSp>
+      <p:pic>
+        <p:nvPicPr>
+          <p:cNvPr id="3" name="Picture 2" descr="A close up of a mans face&#10;&#10;Description automatically generated">
+            <a:extLst>
+              <a:ext uri="{FF2B5EF4-FFF2-40B4-BE49-F238E27FC236}">
+                <a16:creationId xmlns:a16="http://schemas.microsoft.com/office/drawing/2014/main" id="{2B3EFA10-0281-4AC2-B6EE-D9DA2ACAB4BB}"/>
+              </a:ext>
+            </a:extLst>
+          </p:cNvPr>
+          <p:cNvPicPr>
+            <a:picLocks noChangeAspect="1"/>
+          </p:cNvPicPr>
+          <p:nvPr/>
+        </p:nvPicPr>
+        <p:blipFill>
+          <a:blip r:embed="rId3">
+            <a:extLst>
+              <a:ext uri="{28A0092B-C50C-407E-A947-70E740481C1C}">
+                <a14:useLocalDpi xmlns:a14="http://schemas.microsoft.com/office/drawing/2010/main" val="0"/>
+              </a:ext>
+            </a:extLst>
+          </a:blip>
+          <a:stretch>
+            <a:fillRect/>
+          </a:stretch>
+        </p:blipFill>
+        <p:spPr>
+          <a:xfrm>
+            <a:off x="785243" y="1140377"/>
+            <a:ext cx="5294715" cy="3529809"/>
+          </a:xfrm>
+          <a:prstGeom prst="rect">
+            <a:avLst/>
+          </a:prstGeom>
+        </p:spPr>
+      </p:pic>
+    </p:spTree>
+    <p:extLst>
+      <p:ext uri="{BB962C8B-B14F-4D97-AF65-F5344CB8AC3E}">
+        <p14:creationId xmlns:p14="http://schemas.microsoft.com/office/powerpoint/2010/main" val="1544346212"/>
+      </p:ext>
+    </p:extLst>
+  </p:cSld>
+  <p:clrMapOvr>
+    <a:masterClrMapping/>
+  </p:clrMapOvr>
 </p:sld>
 </file>
 
